--- a/ML Final Project presentation.pptx
+++ b/ML Final Project presentation.pptx
@@ -3081,24 +3081,15 @@
           <a:p>
             <a:r>
               <a:rPr lang="en-US" altLang="ko-KR" dirty="0" smtClean="0"/>
-              <a:t>20155134 </a:t>
-            </a:r>
-            <a:r>
-              <a:rPr lang="ko-KR" altLang="en-US" dirty="0" smtClean="0"/>
-              <a:t>이준오</a:t>
-            </a:r>
-            <a:endParaRPr lang="en-US" altLang="ko-KR" dirty="0" smtClean="0"/>
+              <a:t>20155134 Jun oh Lee</a:t>
+            </a:r>
           </a:p>
           <a:p>
             <a:r>
               <a:rPr lang="en-US" altLang="ko-KR" dirty="0" smtClean="0"/>
-              <a:t>20155064 </a:t>
-            </a:r>
-            <a:r>
-              <a:rPr lang="ko-KR" altLang="en-US" dirty="0" smtClean="0"/>
-              <a:t>남진우</a:t>
-            </a:r>
-            <a:endParaRPr lang="en-US" altLang="ko-KR" dirty="0" smtClean="0"/>
+              <a:t>20155064 Jin Woo Nam</a:t>
+            </a:r>
+            <a:endParaRPr lang="en-US" altLang="ko-KR" i="1" dirty="0" smtClean="0"/>
           </a:p>
           <a:p>
             <a:r>
@@ -3106,8 +3097,12 @@
               <a:t>20155009 </a:t>
             </a:r>
             <a:r>
-              <a:rPr lang="ko-KR" altLang="en-US" dirty="0" err="1" smtClean="0"/>
-              <a:t>구자빈</a:t>
+              <a:rPr lang="en-US" altLang="ko-KR" dirty="0" err="1" smtClean="0"/>
+              <a:t>Jabin</a:t>
+            </a:r>
+            <a:r>
+              <a:rPr lang="en-US" altLang="ko-KR" dirty="0" smtClean="0"/>
+              <a:t> Koo</a:t>
             </a:r>
             <a:endParaRPr lang="ko-KR" altLang="en-US" dirty="0"/>
           </a:p>
@@ -3271,7 +3266,17 @@
           <a:bodyPr/>
           <a:lstStyle/>
           <a:p>
-            <a:endParaRPr lang="ko-KR" altLang="en-US"/>
+            <a:r>
+              <a:rPr lang="en-US" altLang="ko-KR" dirty="0" smtClean="0"/>
+              <a:t>To breakthrough limitation of hidden size in RNN Model</a:t>
+            </a:r>
+          </a:p>
+          <a:p>
+            <a:r>
+              <a:rPr lang="en-US" altLang="ko-KR" dirty="0" smtClean="0"/>
+              <a:t>To make more efficient RNN model in terms of parameters and memory</a:t>
+            </a:r>
+            <a:endParaRPr lang="ko-KR" altLang="en-US" dirty="0"/>
           </a:p>
         </p:txBody>
       </p:sp>
@@ -3553,7 +3558,34 @@
           <a:bodyPr/>
           <a:lstStyle/>
           <a:p>
-            <a:endParaRPr lang="ko-KR" altLang="en-US"/>
+            <a:r>
+              <a:rPr lang="en-US" altLang="ko-KR" dirty="0" smtClean="0"/>
+              <a:t>Dataset</a:t>
+            </a:r>
+          </a:p>
+          <a:p>
+            <a:pPr>
+              <a:buNone/>
+            </a:pPr>
+            <a:r>
+              <a:rPr lang="en-US" altLang="ko-KR" dirty="0" smtClean="0"/>
+              <a:t>- Movie-review polarity dataset by Pang </a:t>
+            </a:r>
+            <a:r>
+              <a:rPr lang="en-US" altLang="ko-KR" dirty="0"/>
+              <a:t>e</a:t>
+            </a:r>
+            <a:r>
+              <a:rPr lang="en-US" altLang="ko-KR" dirty="0" smtClean="0"/>
+              <a:t>t al.</a:t>
+            </a:r>
+          </a:p>
+          <a:p>
+            <a:r>
+              <a:rPr lang="en-US" altLang="ko-KR" dirty="0" smtClean="0"/>
+              <a:t>experiment</a:t>
+            </a:r>
+            <a:endParaRPr lang="ko-KR" altLang="en-US" dirty="0"/>
           </a:p>
         </p:txBody>
       </p:sp>

--- a/ML Final Project presentation.pptx
+++ b/ML Final Project presentation.pptx
@@ -3058,7 +3058,14 @@
           <a:p>
             <a:r>
               <a:rPr lang="en-US" altLang="ko-KR" dirty="0" smtClean="0"/>
-              <a:t>ML Final Project</a:t>
+              <a:t>Domain Controlled</a:t>
+            </a:r>
+            <a:br>
+              <a:rPr lang="en-US" altLang="ko-KR" dirty="0" smtClean="0"/>
+            </a:br>
+            <a:r>
+              <a:rPr lang="en-US" altLang="ko-KR" dirty="0" smtClean="0"/>
+              <a:t>Multi-cell RNN</a:t>
             </a:r>
             <a:endParaRPr lang="ko-KR" altLang="en-US" dirty="0"/>
           </a:p>
@@ -3173,7 +3180,7 @@
           <a:p>
             <a:r>
               <a:rPr lang="en-US" altLang="ko-KR" dirty="0" smtClean="0"/>
-              <a:t>DARNN</a:t>
+              <a:t>Domain Controlled Multi-cell RNN(DCMRNN)</a:t>
             </a:r>
             <a:endParaRPr lang="ko-KR" altLang="en-US" dirty="0"/>
           </a:p>
@@ -3195,7 +3202,7 @@
         </p:blipFill>
         <p:spPr>
           <a:xfrm>
-            <a:off x="2143108" y="2285992"/>
+            <a:off x="2143108" y="2928934"/>
             <a:ext cx="4884420" cy="2598420"/>
           </a:xfrm>
           <a:prstGeom prst="rect">
@@ -3345,7 +3352,7 @@
           <a:p>
             <a:r>
               <a:rPr lang="en-US" altLang="ko-KR" dirty="0" smtClean="0"/>
-              <a:t>DARNN</a:t>
+              <a:t>Domain Controlled Multi-cell RNN(DCMRNN)</a:t>
             </a:r>
             <a:endParaRPr lang="ko-KR" altLang="en-US" dirty="0"/>
           </a:p>
@@ -3367,7 +3374,7 @@
         </p:blipFill>
         <p:spPr>
           <a:xfrm>
-            <a:off x="2143108" y="2285992"/>
+            <a:off x="2071670" y="3214686"/>
             <a:ext cx="4884420" cy="2598420"/>
           </a:xfrm>
           <a:prstGeom prst="rect">
@@ -3484,12 +3491,12 @@
           <p:nvPr/>
         </p:nvGraphicFramePr>
         <p:xfrm>
-          <a:off x="285720" y="4572008"/>
-          <a:ext cx="8555242" cy="928694"/>
+          <a:off x="258763" y="4572000"/>
+          <a:ext cx="8610600" cy="928688"/>
         </p:xfrm>
         <a:graphic>
           <a:graphicData uri="http://schemas.openxmlformats.org/presentationml/2006/ole">
-            <p:oleObj spid="_x0000_s1027" name="수식" r:id="rId3" imgW="3860640" imgH="419040" progId="Equation.3">
+            <p:oleObj spid="_x0000_s1027" name="수식" r:id="rId3" imgW="3886200" imgH="419040" progId="Equation.3">
               <p:embed/>
             </p:oleObj>
           </a:graphicData>
